--- a/Claritin Sentiment Analysis.pptx
+++ b/Claritin Sentiment Analysis.pptx
@@ -9,15 +9,17 @@
     <p:sldId id="257" r:id="rId3"/>
     <p:sldId id="258" r:id="rId4"/>
     <p:sldId id="259" r:id="rId5"/>
-    <p:sldId id="260" r:id="rId6"/>
-    <p:sldId id="261" r:id="rId7"/>
-    <p:sldId id="263" r:id="rId8"/>
-    <p:sldId id="264" r:id="rId9"/>
-    <p:sldId id="265" r:id="rId10"/>
-    <p:sldId id="266" r:id="rId11"/>
-    <p:sldId id="267" r:id="rId12"/>
-    <p:sldId id="268" r:id="rId13"/>
-    <p:sldId id="269" r:id="rId14"/>
+    <p:sldId id="270" r:id="rId6"/>
+    <p:sldId id="260" r:id="rId7"/>
+    <p:sldId id="261" r:id="rId8"/>
+    <p:sldId id="263" r:id="rId9"/>
+    <p:sldId id="264" r:id="rId10"/>
+    <p:sldId id="265" r:id="rId11"/>
+    <p:sldId id="266" r:id="rId12"/>
+    <p:sldId id="267" r:id="rId13"/>
+    <p:sldId id="268" r:id="rId14"/>
+    <p:sldId id="269" r:id="rId15"/>
+    <p:sldId id="271" r:id="rId16"/>
   </p:sldIdLst>
   <p:sldSz cx="12192000" cy="6858000"/>
   <p:notesSz cx="6858000" cy="9144000"/>
@@ -4722,7 +4724,7 @@
             <a:fld id="{B61BEF0D-F0BB-DE4B-95CE-6DB70DBA9567}" type="datetimeFigureOut">
               <a:rPr lang="en-US" dirty="0"/>
               <a:pPr/>
-              <a:t>8/23/2019</a:t>
+              <a:t>8/24/2019</a:t>
             </a:fld>
             <a:endParaRPr lang="en-US" dirty="0"/>
           </a:p>
@@ -4970,7 +4972,7 @@
             <a:fld id="{B61BEF0D-F0BB-DE4B-95CE-6DB70DBA9567}" type="datetimeFigureOut">
               <a:rPr lang="en-US" dirty="0"/>
               <a:pPr/>
-              <a:t>8/23/2019</a:t>
+              <a:t>8/24/2019</a:t>
             </a:fld>
             <a:endParaRPr lang="en-US" dirty="0"/>
           </a:p>
@@ -5281,7 +5283,7 @@
             <a:fld id="{B61BEF0D-F0BB-DE4B-95CE-6DB70DBA9567}" type="datetimeFigureOut">
               <a:rPr lang="en-US" dirty="0"/>
               <a:pPr/>
-              <a:t>8/23/2019</a:t>
+              <a:t>8/24/2019</a:t>
             </a:fld>
             <a:endParaRPr lang="en-US" dirty="0"/>
           </a:p>
@@ -5619,7 +5621,7 @@
             <a:fld id="{B61BEF0D-F0BB-DE4B-95CE-6DB70DBA9567}" type="datetimeFigureOut">
               <a:rPr lang="en-US" dirty="0"/>
               <a:pPr/>
-              <a:t>8/23/2019</a:t>
+              <a:t>8/24/2019</a:t>
             </a:fld>
             <a:endParaRPr lang="en-US" dirty="0"/>
           </a:p>
@@ -5930,7 +5932,7 @@
             <a:fld id="{B61BEF0D-F0BB-DE4B-95CE-6DB70DBA9567}" type="datetimeFigureOut">
               <a:rPr lang="en-US" dirty="0"/>
               <a:pPr/>
-              <a:t>8/23/2019</a:t>
+              <a:t>8/24/2019</a:t>
             </a:fld>
             <a:endParaRPr lang="en-US" dirty="0"/>
           </a:p>
@@ -6320,7 +6322,7 @@
             <a:fld id="{B61BEF0D-F0BB-DE4B-95CE-6DB70DBA9567}" type="datetimeFigureOut">
               <a:rPr lang="en-US" dirty="0"/>
               <a:pPr/>
-              <a:t>8/23/2019</a:t>
+              <a:t>8/24/2019</a:t>
             </a:fld>
             <a:endParaRPr lang="en-US" dirty="0"/>
           </a:p>
@@ -6486,7 +6488,7 @@
           <a:p>
             <a:fld id="{55C6B4A9-1611-4792-9094-5F34BCA07E0B}" type="datetimeFigureOut">
               <a:rPr lang="en-US" dirty="0"/>
-              <a:t>8/23/2019</a:t>
+              <a:t>8/24/2019</a:t>
             </a:fld>
             <a:endParaRPr lang="en-US" dirty="0"/>
           </a:p>
@@ -6662,7 +6664,7 @@
             <a:fld id="{B61BEF0D-F0BB-DE4B-95CE-6DB70DBA9567}" type="datetimeFigureOut">
               <a:rPr lang="en-US" dirty="0"/>
               <a:pPr/>
-              <a:t>8/23/2019</a:t>
+              <a:t>8/24/2019</a:t>
             </a:fld>
             <a:endParaRPr lang="en-US" dirty="0"/>
           </a:p>
@@ -6835,7 +6837,7 @@
             <a:fld id="{B61BEF0D-F0BB-DE4B-95CE-6DB70DBA9567}" type="datetimeFigureOut">
               <a:rPr lang="en-US" dirty="0"/>
               <a:pPr/>
-              <a:t>8/23/2019</a:t>
+              <a:t>8/24/2019</a:t>
             </a:fld>
             <a:endParaRPr lang="en-US" dirty="0"/>
           </a:p>
@@ -7079,7 +7081,7 @@
             <a:fld id="{B61BEF0D-F0BB-DE4B-95CE-6DB70DBA9567}" type="datetimeFigureOut">
               <a:rPr lang="en-US" dirty="0"/>
               <a:pPr/>
-              <a:t>8/23/2019</a:t>
+              <a:t>8/24/2019</a:t>
             </a:fld>
             <a:endParaRPr lang="en-US" dirty="0"/>
           </a:p>
@@ -7307,7 +7309,7 @@
           <a:p>
             <a:fld id="{EB712588-04B1-427B-82EE-E8DB90309F08}" type="datetimeFigureOut">
               <a:rPr lang="en-US" dirty="0"/>
-              <a:t>8/23/2019</a:t>
+              <a:t>8/24/2019</a:t>
             </a:fld>
             <a:endParaRPr lang="en-US" dirty="0"/>
           </a:p>
@@ -7677,7 +7679,7 @@
             <a:fld id="{B61BEF0D-F0BB-DE4B-95CE-6DB70DBA9567}" type="datetimeFigureOut">
               <a:rPr lang="en-US" dirty="0"/>
               <a:pPr/>
-              <a:t>8/23/2019</a:t>
+              <a:t>8/24/2019</a:t>
             </a:fld>
             <a:endParaRPr lang="en-US" dirty="0"/>
           </a:p>
@@ -7797,7 +7799,7 @@
             <a:fld id="{B61BEF0D-F0BB-DE4B-95CE-6DB70DBA9567}" type="datetimeFigureOut">
               <a:rPr lang="en-US" dirty="0"/>
               <a:pPr/>
-              <a:t>8/23/2019</a:t>
+              <a:t>8/24/2019</a:t>
             </a:fld>
             <a:endParaRPr lang="en-US" dirty="0"/>
           </a:p>
@@ -7889,7 +7891,7 @@
             <a:fld id="{B61BEF0D-F0BB-DE4B-95CE-6DB70DBA9567}" type="datetimeFigureOut">
               <a:rPr lang="en-US" dirty="0"/>
               <a:pPr/>
-              <a:t>8/23/2019</a:t>
+              <a:t>8/24/2019</a:t>
             </a:fld>
             <a:endParaRPr lang="en-US" dirty="0"/>
           </a:p>
@@ -8140,7 +8142,7 @@
           <a:p>
             <a:fld id="{42A54C80-263E-416B-A8E0-580EDEADCBDC}" type="datetimeFigureOut">
               <a:rPr lang="en-US" dirty="0"/>
-              <a:t>8/23/2019</a:t>
+              <a:t>8/24/2019</a:t>
             </a:fld>
             <a:endParaRPr lang="en-US" dirty="0"/>
           </a:p>
@@ -8399,7 +8401,7 @@
             <a:fld id="{B61BEF0D-F0BB-DE4B-95CE-6DB70DBA9567}" type="datetimeFigureOut">
               <a:rPr lang="en-US" dirty="0"/>
               <a:pPr/>
-              <a:t>8/23/2019</a:t>
+              <a:t>8/24/2019</a:t>
             </a:fld>
             <a:endParaRPr lang="en-US" dirty="0"/>
           </a:p>
@@ -9139,7 +9141,7 @@
             <a:fld id="{B61BEF0D-F0BB-DE4B-95CE-6DB70DBA9567}" type="datetimeFigureOut">
               <a:rPr lang="en-US" dirty="0"/>
               <a:pPr/>
-              <a:t>8/23/2019</a:t>
+              <a:t>8/24/2019</a:t>
             </a:fld>
             <a:endParaRPr lang="en-US" dirty="0"/>
           </a:p>
@@ -9764,6 +9766,143 @@
           <p:cNvPr id="2" name="Title 1">
             <a:extLst>
               <a:ext uri="{FF2B5EF4-FFF2-40B4-BE49-F238E27FC236}">
+                <a16:creationId xmlns:a16="http://schemas.microsoft.com/office/drawing/2014/main" id="{1790141E-E083-45A7-AC2D-1646993051E0}"/>
+              </a:ext>
+            </a:extLst>
+          </p:cNvPr>
+          <p:cNvSpPr>
+            <a:spLocks noGrp="1"/>
+          </p:cNvSpPr>
+          <p:nvPr>
+            <p:ph type="title"/>
+          </p:nvPr>
+        </p:nvSpPr>
+        <p:spPr>
+          <a:xfrm>
+            <a:off x="677334" y="609600"/>
+            <a:ext cx="8596668" cy="762000"/>
+          </a:xfrm>
+        </p:spPr>
+        <p:txBody>
+          <a:bodyPr>
+            <a:normAutofit fontScale="90000"/>
+          </a:bodyPr>
+          <a:lstStyle/>
+          <a:p>
+            <a:r>
+              <a:rPr lang="en-CA" dirty="0"/>
+              <a:t>Step 2:Data preprocessing</a:t>
+            </a:r>
+            <a:br>
+              <a:rPr lang="en-CA" dirty="0"/>
+            </a:br>
+            <a:r>
+              <a:rPr lang="en-CA" dirty="0"/>
+              <a:t> </a:t>
+            </a:r>
+          </a:p>
+        </p:txBody>
+      </p:sp>
+      <p:sp>
+        <p:nvSpPr>
+          <p:cNvPr id="3" name="Content Placeholder 2">
+            <a:extLst>
+              <a:ext uri="{FF2B5EF4-FFF2-40B4-BE49-F238E27FC236}">
+                <a16:creationId xmlns:a16="http://schemas.microsoft.com/office/drawing/2014/main" id="{3F6FD26B-AD42-4CCB-9F31-760AB3EDF9CA}"/>
+              </a:ext>
+            </a:extLst>
+          </p:cNvPr>
+          <p:cNvSpPr>
+            <a:spLocks noGrp="1"/>
+          </p:cNvSpPr>
+          <p:nvPr>
+            <p:ph idx="1"/>
+          </p:nvPr>
+        </p:nvSpPr>
+        <p:spPr>
+          <a:xfrm>
+            <a:off x="677334" y="1371601"/>
+            <a:ext cx="8596668" cy="4669762"/>
+          </a:xfrm>
+        </p:spPr>
+        <p:txBody>
+          <a:bodyPr/>
+          <a:lstStyle/>
+          <a:p>
+            <a:r>
+              <a:rPr lang="en-CA" dirty="0"/>
+              <a:t>1. remove the emoji </a:t>
+            </a:r>
+          </a:p>
+          <a:p>
+            <a:r>
+              <a:rPr lang="en-CA" dirty="0"/>
+              <a:t>2. remove the </a:t>
+            </a:r>
+            <a:r>
+              <a:rPr lang="en-CA" dirty="0" err="1"/>
+              <a:t>stopwords</a:t>
+            </a:r>
+            <a:endParaRPr lang="en-CA" dirty="0"/>
+          </a:p>
+          <a:p>
+            <a:r>
+              <a:rPr lang="en-CA" dirty="0"/>
+              <a:t>3. replace consecutive non-ASCII characters with a space</a:t>
+            </a:r>
+          </a:p>
+          <a:p>
+            <a:r>
+              <a:rPr lang="en-CA" dirty="0"/>
+              <a:t>4. remove http</a:t>
+            </a:r>
+          </a:p>
+          <a:p>
+            <a:r>
+              <a:rPr lang="en-CA" dirty="0"/>
+              <a:t>5. tokenization</a:t>
+            </a:r>
+          </a:p>
+          <a:p>
+            <a:endParaRPr lang="en-CA" dirty="0"/>
+          </a:p>
+        </p:txBody>
+      </p:sp>
+    </p:spTree>
+    <p:extLst>
+      <p:ext uri="{BB962C8B-B14F-4D97-AF65-F5344CB8AC3E}">
+        <p14:creationId xmlns:p14="http://schemas.microsoft.com/office/powerpoint/2010/main" val="1385273707"/>
+      </p:ext>
+    </p:extLst>
+  </p:cSld>
+  <p:clrMapOvr>
+    <a:masterClrMapping/>
+  </p:clrMapOvr>
+</p:sld>
+</file>
+
+<file path=ppt/slides/slide11.xml><?xml version="1.0" encoding="utf-8"?>
+<p:sld xmlns:a="http://schemas.openxmlformats.org/drawingml/2006/main" xmlns:r="http://schemas.openxmlformats.org/officeDocument/2006/relationships" xmlns:p="http://schemas.openxmlformats.org/presentationml/2006/main">
+  <p:cSld>
+    <p:spTree>
+      <p:nvGrpSpPr>
+        <p:cNvPr id="1" name=""/>
+        <p:cNvGrpSpPr/>
+        <p:nvPr/>
+      </p:nvGrpSpPr>
+      <p:grpSpPr>
+        <a:xfrm>
+          <a:off x="0" y="0"/>
+          <a:ext cx="0" cy="0"/>
+          <a:chOff x="0" y="0"/>
+          <a:chExt cx="0" cy="0"/>
+        </a:xfrm>
+      </p:grpSpPr>
+      <p:sp>
+        <p:nvSpPr>
+          <p:cNvPr id="2" name="Title 1">
+            <a:extLst>
+              <a:ext uri="{FF2B5EF4-FFF2-40B4-BE49-F238E27FC236}">
                 <a16:creationId xmlns:a16="http://schemas.microsoft.com/office/drawing/2014/main" id="{179F80A0-6650-40D6-895A-B6F7DB34A20E}"/>
               </a:ext>
             </a:extLst>
@@ -9885,7 +10024,7 @@
 </p:sld>
 </file>
 
-<file path=ppt/slides/slide11.xml><?xml version="1.0" encoding="utf-8"?>
+<file path=ppt/slides/slide12.xml><?xml version="1.0" encoding="utf-8"?>
 <p:sld xmlns:a="http://schemas.openxmlformats.org/drawingml/2006/main" xmlns:r="http://schemas.openxmlformats.org/officeDocument/2006/relationships" xmlns:p="http://schemas.openxmlformats.org/presentationml/2006/main">
   <p:cSld>
     <p:spTree>
@@ -9990,7 +10129,7 @@
 </p:sld>
 </file>
 
-<file path=ppt/slides/slide12.xml><?xml version="1.0" encoding="utf-8"?>
+<file path=ppt/slides/slide13.xml><?xml version="1.0" encoding="utf-8"?>
 <p:sld xmlns:a="http://schemas.openxmlformats.org/drawingml/2006/main" xmlns:r="http://schemas.openxmlformats.org/officeDocument/2006/relationships" xmlns:p="http://schemas.openxmlformats.org/presentationml/2006/main">
   <p:cSld>
     <p:spTree>
@@ -10097,7 +10236,7 @@
 </p:sld>
 </file>
 
-<file path=ppt/slides/slide13.xml><?xml version="1.0" encoding="utf-8"?>
+<file path=ppt/slides/slide14.xml><?xml version="1.0" encoding="utf-8"?>
 <p:sld xmlns:a="http://schemas.openxmlformats.org/drawingml/2006/main" xmlns:r="http://schemas.openxmlformats.org/officeDocument/2006/relationships" xmlns:p="http://schemas.openxmlformats.org/presentationml/2006/main">
   <p:cSld>
     <p:spTree>
@@ -10218,6 +10357,122 @@
     <p:extLst>
       <p:ext uri="{BB962C8B-B14F-4D97-AF65-F5344CB8AC3E}">
         <p14:creationId xmlns:p14="http://schemas.microsoft.com/office/powerpoint/2010/main" val="320780250"/>
+      </p:ext>
+    </p:extLst>
+  </p:cSld>
+  <p:clrMapOvr>
+    <a:masterClrMapping/>
+  </p:clrMapOvr>
+</p:sld>
+</file>
+
+<file path=ppt/slides/slide15.xml><?xml version="1.0" encoding="utf-8"?>
+<p:sld xmlns:a="http://schemas.openxmlformats.org/drawingml/2006/main" xmlns:r="http://schemas.openxmlformats.org/officeDocument/2006/relationships" xmlns:p="http://schemas.openxmlformats.org/presentationml/2006/main">
+  <p:cSld>
+    <p:spTree>
+      <p:nvGrpSpPr>
+        <p:cNvPr id="1" name=""/>
+        <p:cNvGrpSpPr/>
+        <p:nvPr/>
+      </p:nvGrpSpPr>
+      <p:grpSpPr>
+        <a:xfrm>
+          <a:off x="0" y="0"/>
+          <a:ext cx="0" cy="0"/>
+          <a:chOff x="0" y="0"/>
+          <a:chExt cx="0" cy="0"/>
+        </a:xfrm>
+      </p:grpSpPr>
+      <p:sp>
+        <p:nvSpPr>
+          <p:cNvPr id="2" name="Title 1">
+            <a:extLst>
+              <a:ext uri="{FF2B5EF4-FFF2-40B4-BE49-F238E27FC236}">
+                <a16:creationId xmlns:a16="http://schemas.microsoft.com/office/drawing/2014/main" id="{BACBBA9A-9A15-404F-9FE4-F4A6C46D3DFE}"/>
+              </a:ext>
+            </a:extLst>
+          </p:cNvPr>
+          <p:cNvSpPr>
+            <a:spLocks noGrp="1"/>
+          </p:cNvSpPr>
+          <p:nvPr>
+            <p:ph type="title"/>
+          </p:nvPr>
+        </p:nvSpPr>
+        <p:spPr>
+          <a:xfrm>
+            <a:off x="677334" y="609600"/>
+            <a:ext cx="8596668" cy="645042"/>
+          </a:xfrm>
+        </p:spPr>
+        <p:txBody>
+          <a:bodyPr/>
+          <a:lstStyle/>
+          <a:p>
+            <a:r>
+              <a:rPr lang="en-CA" dirty="0"/>
+              <a:t>Step 5</a:t>
+            </a:r>
+            <a:r>
+              <a:rPr lang="zh-CN" altLang="en-US" dirty="0"/>
+              <a:t>：</a:t>
+            </a:r>
+            <a:r>
+              <a:rPr lang="en-US" altLang="zh-CN" dirty="0"/>
+              <a:t>Conclusion</a:t>
+            </a:r>
+            <a:endParaRPr lang="en-CA" dirty="0"/>
+          </a:p>
+        </p:txBody>
+      </p:sp>
+      <p:sp>
+        <p:nvSpPr>
+          <p:cNvPr id="3" name="Content Placeholder 2">
+            <a:extLst>
+              <a:ext uri="{FF2B5EF4-FFF2-40B4-BE49-F238E27FC236}">
+                <a16:creationId xmlns:a16="http://schemas.microsoft.com/office/drawing/2014/main" id="{4AB4D51D-8024-49F1-BBF3-C40D73A965FB}"/>
+              </a:ext>
+            </a:extLst>
+          </p:cNvPr>
+          <p:cNvSpPr>
+            <a:spLocks noGrp="1"/>
+          </p:cNvSpPr>
+          <p:nvPr>
+            <p:ph idx="1"/>
+          </p:nvPr>
+        </p:nvSpPr>
+        <p:spPr>
+          <a:xfrm>
+            <a:off x="677334" y="1403499"/>
+            <a:ext cx="8596668" cy="4637864"/>
+          </a:xfrm>
+        </p:spPr>
+        <p:txBody>
+          <a:bodyPr/>
+          <a:lstStyle/>
+          <a:p>
+            <a:r>
+              <a:rPr lang="en-CA" dirty="0"/>
+              <a:t>Based on our sentimental analysis result, we can provide  over 53% accuracy for opinion of Claritin adverse event.</a:t>
+            </a:r>
+          </a:p>
+          <a:p>
+            <a:r>
+              <a:rPr lang="en-CA" dirty="0"/>
+              <a:t>The social media can provide the early warning detection system </a:t>
+            </a:r>
+            <a:r>
+              <a:rPr lang="en-CA"/>
+              <a:t>before premarket.</a:t>
+            </a:r>
+            <a:endParaRPr lang="en-CA" dirty="0"/>
+          </a:p>
+        </p:txBody>
+      </p:sp>
+    </p:spTree>
+    <p:extLst>
+      <p:ext uri="{BB962C8B-B14F-4D97-AF65-F5344CB8AC3E}">
+        <p14:creationId xmlns:p14="http://schemas.microsoft.com/office/powerpoint/2010/main" val="158346799"/>
       </p:ext>
     </p:extLst>
   </p:cSld>
@@ -10307,13 +10562,13 @@
           <a:p>
             <a:r>
               <a:rPr lang="en-CA" dirty="0"/>
-              <a:t>Part3: </a:t>
+              <a:t>Part3: Data Exploration &amp; Visualization</a:t>
             </a:r>
           </a:p>
           <a:p>
             <a:r>
               <a:rPr lang="en-CA" dirty="0"/>
-              <a:t>Part4:</a:t>
+              <a:t>Part4:Model Building</a:t>
             </a:r>
           </a:p>
           <a:p>
@@ -10405,12 +10660,14 @@
         </p:nvSpPr>
         <p:spPr>
           <a:xfrm>
-            <a:off x="677334" y="1454047"/>
-            <a:ext cx="8596668" cy="4587316"/>
+            <a:off x="677334" y="1190847"/>
+            <a:ext cx="8596668" cy="5528930"/>
           </a:xfrm>
         </p:spPr>
         <p:txBody>
-          <a:bodyPr/>
+          <a:bodyPr>
+            <a:normAutofit fontScale="92500" lnSpcReduction="10000"/>
+          </a:bodyPr>
           <a:lstStyle/>
           <a:p>
             <a:r>
@@ -10421,8 +10678,32 @@
           <a:p>
             <a:r>
               <a:rPr lang="en-CA" dirty="0"/>
-              <a:t>Objective: Assign a Sentiment Score to the Claritin tweet</a:t>
-            </a:r>
+              <a:t>Problem: The most common complaint is Claritin’s notorious failure rate. It’s not surprising that more serious adverse events (convulsions, heart palpitations, shortness of breathe) – are underrepresented in social media while comparatively minor effects (decreased drug efficacy, allergies worse, nausea) are overrepresented on Twitter relative to FDA reports.</a:t>
+            </a:r>
+          </a:p>
+          <a:p>
+            <a:endParaRPr lang="en-CA" dirty="0"/>
+          </a:p>
+          <a:p>
+            <a:endParaRPr lang="en-CA" dirty="0"/>
+          </a:p>
+          <a:p>
+            <a:endParaRPr lang="en-CA" dirty="0"/>
+          </a:p>
+          <a:p>
+            <a:endParaRPr lang="en-CA" dirty="0"/>
+          </a:p>
+          <a:p>
+            <a:endParaRPr lang="en-CA" dirty="0"/>
+          </a:p>
+          <a:p>
+            <a:endParaRPr lang="en-CA" dirty="0"/>
+          </a:p>
+          <a:p>
+            <a:endParaRPr lang="en-CA" dirty="0"/>
+          </a:p>
+          <a:p>
+            <a:endParaRPr lang="en-CA" dirty="0"/>
           </a:p>
           <a:p>
             <a:r>
@@ -10432,6 +10713,1357 @@
           </a:p>
         </p:txBody>
       </p:sp>
+      <p:graphicFrame>
+        <p:nvGraphicFramePr>
+          <p:cNvPr id="4" name="Table 3">
+            <a:extLst>
+              <a:ext uri="{FF2B5EF4-FFF2-40B4-BE49-F238E27FC236}">
+                <a16:creationId xmlns:a16="http://schemas.microsoft.com/office/drawing/2014/main" id="{B8A6BF71-632E-4C13-8759-4D554EFC7BEF}"/>
+              </a:ext>
+            </a:extLst>
+          </p:cNvPr>
+          <p:cNvGraphicFramePr>
+            <a:graphicFrameLocks noGrp="1"/>
+          </p:cNvGraphicFramePr>
+          <p:nvPr>
+            <p:extLst>
+              <p:ext uri="{D42A27DB-BD31-4B8C-83A1-F6EECF244321}">
+                <p14:modId xmlns:p14="http://schemas.microsoft.com/office/powerpoint/2010/main" val="1316945178"/>
+              </p:ext>
+            </p:extLst>
+          </p:nvPr>
+        </p:nvGraphicFramePr>
+        <p:xfrm>
+          <a:off x="2424223" y="3066401"/>
+          <a:ext cx="4356100" cy="2893695"/>
+        </p:xfrm>
+        <a:graphic>
+          <a:graphicData uri="http://schemas.openxmlformats.org/drawingml/2006/table">
+            <a:tbl>
+              <a:tblPr>
+                <a:tableStyleId>{5C22544A-7EE6-4342-B048-85BDC9FD1C3A}</a:tableStyleId>
+              </a:tblPr>
+              <a:tblGrid>
+                <a:gridCol w="2032000">
+                  <a:extLst>
+                    <a:ext uri="{9D8B030D-6E8A-4147-A177-3AD203B41FA5}">
+                      <a16:colId xmlns:a16="http://schemas.microsoft.com/office/drawing/2014/main" val="4178214956"/>
+                    </a:ext>
+                  </a:extLst>
+                </a:gridCol>
+                <a:gridCol w="584200">
+                  <a:extLst>
+                    <a:ext uri="{9D8B030D-6E8A-4147-A177-3AD203B41FA5}">
+                      <a16:colId xmlns:a16="http://schemas.microsoft.com/office/drawing/2014/main" val="785582292"/>
+                    </a:ext>
+                  </a:extLst>
+                </a:gridCol>
+                <a:gridCol w="838200">
+                  <a:extLst>
+                    <a:ext uri="{9D8B030D-6E8A-4147-A177-3AD203B41FA5}">
+                      <a16:colId xmlns:a16="http://schemas.microsoft.com/office/drawing/2014/main" val="1357115429"/>
+                    </a:ext>
+                  </a:extLst>
+                </a:gridCol>
+                <a:gridCol w="901700">
+                  <a:extLst>
+                    <a:ext uri="{9D8B030D-6E8A-4147-A177-3AD203B41FA5}">
+                      <a16:colId xmlns:a16="http://schemas.microsoft.com/office/drawing/2014/main" val="3566675113"/>
+                    </a:ext>
+                  </a:extLst>
+                </a:gridCol>
+              </a:tblGrid>
+              <a:tr h="200025">
+                <a:tc>
+                  <a:txBody>
+                    <a:bodyPr/>
+                    <a:lstStyle/>
+                    <a:p>
+                      <a:pPr algn="ctr" fontAlgn="ctr"/>
+                      <a:r>
+                        <a:rPr lang="en-CA" sz="1200" u="none" strike="noStrike" dirty="0">
+                          <a:effectLst/>
+                        </a:rPr>
+                        <a:t>Adverse Event</a:t>
+                      </a:r>
+                      <a:endParaRPr lang="en-CA" sz="1200" b="1" i="0" u="none" strike="noStrike" dirty="0">
+                        <a:solidFill>
+                          <a:srgbClr val="414042"/>
+                        </a:solidFill>
+                        <a:effectLst/>
+                        <a:latin typeface="Arial" panose="020B0604020202020204" pitchFamily="34" charset="0"/>
+                      </a:endParaRPr>
+                    </a:p>
+                  </a:txBody>
+                  <a:tcPr marL="9525" marR="9525" marT="9525" marB="0" anchor="ctr"/>
+                </a:tc>
+                <a:tc>
+                  <a:txBody>
+                    <a:bodyPr/>
+                    <a:lstStyle/>
+                    <a:p>
+                      <a:pPr algn="ctr" fontAlgn="ctr"/>
+                      <a:r>
+                        <a:rPr lang="en-CA" sz="1200" u="none" strike="noStrike">
+                          <a:effectLst/>
+                        </a:rPr>
+                        <a:t>Twitter</a:t>
+                      </a:r>
+                      <a:endParaRPr lang="en-CA" sz="1200" b="1" i="0" u="none" strike="noStrike">
+                        <a:solidFill>
+                          <a:srgbClr val="414042"/>
+                        </a:solidFill>
+                        <a:effectLst/>
+                        <a:latin typeface="Arial" panose="020B0604020202020204" pitchFamily="34" charset="0"/>
+                      </a:endParaRPr>
+                    </a:p>
+                  </a:txBody>
+                  <a:tcPr marL="9525" marR="9525" marT="9525" marB="0" anchor="ctr"/>
+                </a:tc>
+                <a:tc>
+                  <a:txBody>
+                    <a:bodyPr/>
+                    <a:lstStyle/>
+                    <a:p>
+                      <a:pPr algn="ctr" fontAlgn="ctr"/>
+                      <a:r>
+                        <a:rPr lang="en-CA" sz="1200" u="none" strike="noStrike">
+                          <a:effectLst/>
+                        </a:rPr>
+                        <a:t>FDA – PR*</a:t>
+                      </a:r>
+                      <a:endParaRPr lang="en-CA" sz="1200" b="1" i="0" u="none" strike="noStrike">
+                        <a:solidFill>
+                          <a:srgbClr val="414042"/>
+                        </a:solidFill>
+                        <a:effectLst/>
+                        <a:latin typeface="Arial" panose="020B0604020202020204" pitchFamily="34" charset="0"/>
+                      </a:endParaRPr>
+                    </a:p>
+                  </a:txBody>
+                  <a:tcPr marL="9525" marR="9525" marT="9525" marB="0" anchor="ctr"/>
+                </a:tc>
+                <a:tc>
+                  <a:txBody>
+                    <a:bodyPr/>
+                    <a:lstStyle/>
+                    <a:p>
+                      <a:pPr algn="ctr" fontAlgn="ctr"/>
+                      <a:r>
+                        <a:rPr lang="en-CA" sz="1200" u="none" strike="noStrike">
+                          <a:effectLst/>
+                        </a:rPr>
+                        <a:t>FDA – TR**</a:t>
+                      </a:r>
+                      <a:endParaRPr lang="en-CA" sz="1200" b="1" i="0" u="none" strike="noStrike">
+                        <a:solidFill>
+                          <a:srgbClr val="414042"/>
+                        </a:solidFill>
+                        <a:effectLst/>
+                        <a:latin typeface="Arial" panose="020B0604020202020204" pitchFamily="34" charset="0"/>
+                      </a:endParaRPr>
+                    </a:p>
+                  </a:txBody>
+                  <a:tcPr marL="9525" marR="9525" marT="9525" marB="0" anchor="ctr"/>
+                </a:tc>
+                <a:extLst>
+                  <a:ext uri="{0D108BD9-81ED-4DB2-BD59-A6C34878D82A}">
+                    <a16:rowId xmlns:a16="http://schemas.microsoft.com/office/drawing/2014/main" val="743638502"/>
+                  </a:ext>
+                </a:extLst>
+              </a:tr>
+              <a:tr h="190500">
+                <a:tc>
+                  <a:txBody>
+                    <a:bodyPr/>
+                    <a:lstStyle/>
+                    <a:p>
+                      <a:pPr algn="l" fontAlgn="ctr"/>
+                      <a:r>
+                        <a:rPr lang="en-CA" sz="1200" u="none" strike="noStrike" dirty="0">
+                          <a:effectLst/>
+                        </a:rPr>
+                        <a:t>Dizziness</a:t>
+                      </a:r>
+                      <a:endParaRPr lang="en-CA" sz="1200" b="0" i="0" u="none" strike="noStrike" dirty="0">
+                        <a:solidFill>
+                          <a:srgbClr val="414042"/>
+                        </a:solidFill>
+                        <a:effectLst/>
+                        <a:latin typeface="Arial" panose="020B0604020202020204" pitchFamily="34" charset="0"/>
+                      </a:endParaRPr>
+                    </a:p>
+                  </a:txBody>
+                  <a:tcPr marL="9525" marR="9525" marT="9525" marB="0" anchor="ctr"/>
+                </a:tc>
+                <a:tc>
+                  <a:txBody>
+                    <a:bodyPr/>
+                    <a:lstStyle/>
+                    <a:p>
+                      <a:pPr algn="r" fontAlgn="ctr"/>
+                      <a:r>
+                        <a:rPr lang="en-CA" sz="1200" u="none" strike="noStrike">
+                          <a:effectLst/>
+                        </a:rPr>
+                        <a:t>11</a:t>
+                      </a:r>
+                      <a:endParaRPr lang="en-CA" sz="1200" b="0" i="0" u="none" strike="noStrike">
+                        <a:solidFill>
+                          <a:srgbClr val="414042"/>
+                        </a:solidFill>
+                        <a:effectLst/>
+                        <a:latin typeface="Arial" panose="020B0604020202020204" pitchFamily="34" charset="0"/>
+                      </a:endParaRPr>
+                    </a:p>
+                  </a:txBody>
+                  <a:tcPr marL="9525" marR="9525" marT="9525" marB="0" anchor="ctr"/>
+                </a:tc>
+                <a:tc>
+                  <a:txBody>
+                    <a:bodyPr/>
+                    <a:lstStyle/>
+                    <a:p>
+                      <a:pPr algn="r" fontAlgn="ctr"/>
+                      <a:r>
+                        <a:rPr lang="en-CA" sz="1200" u="none" strike="noStrike">
+                          <a:effectLst/>
+                        </a:rPr>
+                        <a:t>0</a:t>
+                      </a:r>
+                      <a:endParaRPr lang="en-CA" sz="1200" b="0" i="0" u="none" strike="noStrike">
+                        <a:solidFill>
+                          <a:srgbClr val="414042"/>
+                        </a:solidFill>
+                        <a:effectLst/>
+                        <a:latin typeface="Arial" panose="020B0604020202020204" pitchFamily="34" charset="0"/>
+                      </a:endParaRPr>
+                    </a:p>
+                  </a:txBody>
+                  <a:tcPr marL="9525" marR="9525" marT="9525" marB="0" anchor="ctr"/>
+                </a:tc>
+                <a:tc>
+                  <a:txBody>
+                    <a:bodyPr/>
+                    <a:lstStyle/>
+                    <a:p>
+                      <a:pPr algn="r" fontAlgn="ctr"/>
+                      <a:r>
+                        <a:rPr lang="en-CA" sz="1200" u="none" strike="noStrike">
+                          <a:effectLst/>
+                        </a:rPr>
+                        <a:t>16</a:t>
+                      </a:r>
+                      <a:endParaRPr lang="en-CA" sz="1200" b="0" i="0" u="none" strike="noStrike">
+                        <a:solidFill>
+                          <a:srgbClr val="414042"/>
+                        </a:solidFill>
+                        <a:effectLst/>
+                        <a:latin typeface="Arial" panose="020B0604020202020204" pitchFamily="34" charset="0"/>
+                      </a:endParaRPr>
+                    </a:p>
+                  </a:txBody>
+                  <a:tcPr marL="9525" marR="9525" marT="9525" marB="0" anchor="ctr"/>
+                </a:tc>
+                <a:extLst>
+                  <a:ext uri="{0D108BD9-81ED-4DB2-BD59-A6C34878D82A}">
+                    <a16:rowId xmlns:a16="http://schemas.microsoft.com/office/drawing/2014/main" val="764837564"/>
+                  </a:ext>
+                </a:extLst>
+              </a:tr>
+              <a:tr h="190500">
+                <a:tc>
+                  <a:txBody>
+                    <a:bodyPr/>
+                    <a:lstStyle/>
+                    <a:p>
+                      <a:pPr algn="l" fontAlgn="ctr"/>
+                      <a:r>
+                        <a:rPr lang="en-CA" sz="1200" u="none" strike="noStrike" dirty="0">
+                          <a:effectLst/>
+                        </a:rPr>
+                        <a:t>Convulsions</a:t>
+                      </a:r>
+                      <a:endParaRPr lang="en-CA" sz="1200" b="0" i="0" u="none" strike="noStrike" dirty="0">
+                        <a:solidFill>
+                          <a:srgbClr val="414042"/>
+                        </a:solidFill>
+                        <a:effectLst/>
+                        <a:latin typeface="Arial" panose="020B0604020202020204" pitchFamily="34" charset="0"/>
+                      </a:endParaRPr>
+                    </a:p>
+                  </a:txBody>
+                  <a:tcPr marL="9525" marR="9525" marT="9525" marB="0" anchor="ctr"/>
+                </a:tc>
+                <a:tc>
+                  <a:txBody>
+                    <a:bodyPr/>
+                    <a:lstStyle/>
+                    <a:p>
+                      <a:pPr algn="r" fontAlgn="ctr"/>
+                      <a:r>
+                        <a:rPr lang="en-CA" sz="1200" u="none" strike="noStrike">
+                          <a:effectLst/>
+                        </a:rPr>
+                        <a:t>0</a:t>
+                      </a:r>
+                      <a:endParaRPr lang="en-CA" sz="1200" b="0" i="0" u="none" strike="noStrike">
+                        <a:solidFill>
+                          <a:srgbClr val="414042"/>
+                        </a:solidFill>
+                        <a:effectLst/>
+                        <a:latin typeface="Arial" panose="020B0604020202020204" pitchFamily="34" charset="0"/>
+                      </a:endParaRPr>
+                    </a:p>
+                  </a:txBody>
+                  <a:tcPr marL="9525" marR="9525" marT="9525" marB="0" anchor="ctr"/>
+                </a:tc>
+                <a:tc>
+                  <a:txBody>
+                    <a:bodyPr/>
+                    <a:lstStyle/>
+                    <a:p>
+                      <a:pPr algn="r" fontAlgn="ctr"/>
+                      <a:r>
+                        <a:rPr lang="en-CA" sz="1200" u="none" strike="noStrike">
+                          <a:effectLst/>
+                        </a:rPr>
+                        <a:t>1</a:t>
+                      </a:r>
+                      <a:endParaRPr lang="en-CA" sz="1200" b="0" i="0" u="none" strike="noStrike">
+                        <a:solidFill>
+                          <a:srgbClr val="414042"/>
+                        </a:solidFill>
+                        <a:effectLst/>
+                        <a:latin typeface="Arial" panose="020B0604020202020204" pitchFamily="34" charset="0"/>
+                      </a:endParaRPr>
+                    </a:p>
+                  </a:txBody>
+                  <a:tcPr marL="9525" marR="9525" marT="9525" marB="0" anchor="ctr"/>
+                </a:tc>
+                <a:tc>
+                  <a:txBody>
+                    <a:bodyPr/>
+                    <a:lstStyle/>
+                    <a:p>
+                      <a:pPr algn="r" fontAlgn="ctr"/>
+                      <a:r>
+                        <a:rPr lang="en-CA" sz="1200" u="none" strike="noStrike">
+                          <a:effectLst/>
+                        </a:rPr>
+                        <a:t>6</a:t>
+                      </a:r>
+                      <a:endParaRPr lang="en-CA" sz="1200" b="0" i="0" u="none" strike="noStrike">
+                        <a:solidFill>
+                          <a:srgbClr val="414042"/>
+                        </a:solidFill>
+                        <a:effectLst/>
+                        <a:latin typeface="Arial" panose="020B0604020202020204" pitchFamily="34" charset="0"/>
+                      </a:endParaRPr>
+                    </a:p>
+                  </a:txBody>
+                  <a:tcPr marL="9525" marR="9525" marT="9525" marB="0" anchor="ctr"/>
+                </a:tc>
+                <a:extLst>
+                  <a:ext uri="{0D108BD9-81ED-4DB2-BD59-A6C34878D82A}">
+                    <a16:rowId xmlns:a16="http://schemas.microsoft.com/office/drawing/2014/main" val="596380655"/>
+                  </a:ext>
+                </a:extLst>
+              </a:tr>
+              <a:tr h="190500">
+                <a:tc>
+                  <a:txBody>
+                    <a:bodyPr/>
+                    <a:lstStyle/>
+                    <a:p>
+                      <a:pPr algn="l" fontAlgn="ctr"/>
+                      <a:r>
+                        <a:rPr lang="en-CA" sz="1200" u="none" strike="noStrike">
+                          <a:effectLst/>
+                        </a:rPr>
+                        <a:t>Heart Palpitations</a:t>
+                      </a:r>
+                      <a:endParaRPr lang="en-CA" sz="1200" b="0" i="0" u="none" strike="noStrike">
+                        <a:solidFill>
+                          <a:srgbClr val="414042"/>
+                        </a:solidFill>
+                        <a:effectLst/>
+                        <a:latin typeface="Arial" panose="020B0604020202020204" pitchFamily="34" charset="0"/>
+                      </a:endParaRPr>
+                    </a:p>
+                  </a:txBody>
+                  <a:tcPr marL="9525" marR="9525" marT="9525" marB="0" anchor="ctr"/>
+                </a:tc>
+                <a:tc>
+                  <a:txBody>
+                    <a:bodyPr/>
+                    <a:lstStyle/>
+                    <a:p>
+                      <a:pPr algn="r" fontAlgn="ctr"/>
+                      <a:r>
+                        <a:rPr lang="en-CA" sz="1200" u="none" strike="noStrike">
+                          <a:effectLst/>
+                        </a:rPr>
+                        <a:t>5</a:t>
+                      </a:r>
+                      <a:endParaRPr lang="en-CA" sz="1200" b="0" i="0" u="none" strike="noStrike">
+                        <a:solidFill>
+                          <a:srgbClr val="414042"/>
+                        </a:solidFill>
+                        <a:effectLst/>
+                        <a:latin typeface="Arial" panose="020B0604020202020204" pitchFamily="34" charset="0"/>
+                      </a:endParaRPr>
+                    </a:p>
+                  </a:txBody>
+                  <a:tcPr marL="9525" marR="9525" marT="9525" marB="0" anchor="ctr"/>
+                </a:tc>
+                <a:tc>
+                  <a:txBody>
+                    <a:bodyPr/>
+                    <a:lstStyle/>
+                    <a:p>
+                      <a:pPr algn="r" fontAlgn="ctr"/>
+                      <a:r>
+                        <a:rPr lang="en-CA" sz="1200" u="none" strike="noStrike">
+                          <a:effectLst/>
+                        </a:rPr>
+                        <a:t>0</a:t>
+                      </a:r>
+                      <a:endParaRPr lang="en-CA" sz="1200" b="0" i="0" u="none" strike="noStrike">
+                        <a:solidFill>
+                          <a:srgbClr val="414042"/>
+                        </a:solidFill>
+                        <a:effectLst/>
+                        <a:latin typeface="Arial" panose="020B0604020202020204" pitchFamily="34" charset="0"/>
+                      </a:endParaRPr>
+                    </a:p>
+                  </a:txBody>
+                  <a:tcPr marL="9525" marR="9525" marT="9525" marB="0" anchor="ctr"/>
+                </a:tc>
+                <a:tc>
+                  <a:txBody>
+                    <a:bodyPr/>
+                    <a:lstStyle/>
+                    <a:p>
+                      <a:pPr algn="r" fontAlgn="ctr"/>
+                      <a:r>
+                        <a:rPr lang="en-CA" sz="1200" u="none" strike="noStrike">
+                          <a:effectLst/>
+                        </a:rPr>
+                        <a:t>7</a:t>
+                      </a:r>
+                      <a:endParaRPr lang="en-CA" sz="1200" b="0" i="0" u="none" strike="noStrike">
+                        <a:solidFill>
+                          <a:srgbClr val="414042"/>
+                        </a:solidFill>
+                        <a:effectLst/>
+                        <a:latin typeface="Arial" panose="020B0604020202020204" pitchFamily="34" charset="0"/>
+                      </a:endParaRPr>
+                    </a:p>
+                  </a:txBody>
+                  <a:tcPr marL="9525" marR="9525" marT="9525" marB="0" anchor="ctr"/>
+                </a:tc>
+                <a:extLst>
+                  <a:ext uri="{0D108BD9-81ED-4DB2-BD59-A6C34878D82A}">
+                    <a16:rowId xmlns:a16="http://schemas.microsoft.com/office/drawing/2014/main" val="2181089262"/>
+                  </a:ext>
+                </a:extLst>
+              </a:tr>
+              <a:tr h="190500">
+                <a:tc>
+                  <a:txBody>
+                    <a:bodyPr/>
+                    <a:lstStyle/>
+                    <a:p>
+                      <a:pPr algn="l" fontAlgn="ctr"/>
+                      <a:r>
+                        <a:rPr lang="en-CA" sz="1200" u="none" strike="noStrike">
+                          <a:effectLst/>
+                        </a:rPr>
+                        <a:t>Shortness of Breathe</a:t>
+                      </a:r>
+                      <a:endParaRPr lang="en-CA" sz="1200" b="0" i="0" u="none" strike="noStrike">
+                        <a:solidFill>
+                          <a:srgbClr val="414042"/>
+                        </a:solidFill>
+                        <a:effectLst/>
+                        <a:latin typeface="Arial" panose="020B0604020202020204" pitchFamily="34" charset="0"/>
+                      </a:endParaRPr>
+                    </a:p>
+                  </a:txBody>
+                  <a:tcPr marL="9525" marR="9525" marT="9525" marB="0" anchor="ctr"/>
+                </a:tc>
+                <a:tc>
+                  <a:txBody>
+                    <a:bodyPr/>
+                    <a:lstStyle/>
+                    <a:p>
+                      <a:pPr algn="r" fontAlgn="ctr"/>
+                      <a:r>
+                        <a:rPr lang="en-CA" sz="1200" u="none" strike="noStrike">
+                          <a:effectLst/>
+                        </a:rPr>
+                        <a:t>4</a:t>
+                      </a:r>
+                      <a:endParaRPr lang="en-CA" sz="1200" b="0" i="0" u="none" strike="noStrike">
+                        <a:solidFill>
+                          <a:srgbClr val="414042"/>
+                        </a:solidFill>
+                        <a:effectLst/>
+                        <a:latin typeface="Arial" panose="020B0604020202020204" pitchFamily="34" charset="0"/>
+                      </a:endParaRPr>
+                    </a:p>
+                  </a:txBody>
+                  <a:tcPr marL="9525" marR="9525" marT="9525" marB="0" anchor="ctr"/>
+                </a:tc>
+                <a:tc>
+                  <a:txBody>
+                    <a:bodyPr/>
+                    <a:lstStyle/>
+                    <a:p>
+                      <a:pPr algn="r" fontAlgn="ctr"/>
+                      <a:r>
+                        <a:rPr lang="en-CA" sz="1200" u="none" strike="noStrike">
+                          <a:effectLst/>
+                        </a:rPr>
+                        <a:t>0</a:t>
+                      </a:r>
+                      <a:endParaRPr lang="en-CA" sz="1200" b="0" i="0" u="none" strike="noStrike">
+                        <a:solidFill>
+                          <a:srgbClr val="414042"/>
+                        </a:solidFill>
+                        <a:effectLst/>
+                        <a:latin typeface="Arial" panose="020B0604020202020204" pitchFamily="34" charset="0"/>
+                      </a:endParaRPr>
+                    </a:p>
+                  </a:txBody>
+                  <a:tcPr marL="9525" marR="9525" marT="9525" marB="0" anchor="ctr"/>
+                </a:tc>
+                <a:tc>
+                  <a:txBody>
+                    <a:bodyPr/>
+                    <a:lstStyle/>
+                    <a:p>
+                      <a:pPr algn="r" fontAlgn="ctr"/>
+                      <a:r>
+                        <a:rPr lang="en-CA" sz="1200" u="none" strike="noStrike">
+                          <a:effectLst/>
+                        </a:rPr>
+                        <a:t>19</a:t>
+                      </a:r>
+                      <a:endParaRPr lang="en-CA" sz="1200" b="0" i="0" u="none" strike="noStrike">
+                        <a:solidFill>
+                          <a:srgbClr val="414042"/>
+                        </a:solidFill>
+                        <a:effectLst/>
+                        <a:latin typeface="Arial" panose="020B0604020202020204" pitchFamily="34" charset="0"/>
+                      </a:endParaRPr>
+                    </a:p>
+                  </a:txBody>
+                  <a:tcPr marL="9525" marR="9525" marT="9525" marB="0" anchor="ctr"/>
+                </a:tc>
+                <a:extLst>
+                  <a:ext uri="{0D108BD9-81ED-4DB2-BD59-A6C34878D82A}">
+                    <a16:rowId xmlns:a16="http://schemas.microsoft.com/office/drawing/2014/main" val="3118474738"/>
+                  </a:ext>
+                </a:extLst>
+              </a:tr>
+              <a:tr h="190500">
+                <a:tc>
+                  <a:txBody>
+                    <a:bodyPr/>
+                    <a:lstStyle/>
+                    <a:p>
+                      <a:pPr algn="l" fontAlgn="ctr"/>
+                      <a:r>
+                        <a:rPr lang="en-CA" sz="1200" u="none" strike="noStrike">
+                          <a:effectLst/>
+                        </a:rPr>
+                        <a:t>Headaches</a:t>
+                      </a:r>
+                      <a:endParaRPr lang="en-CA" sz="1200" b="0" i="0" u="none" strike="noStrike">
+                        <a:solidFill>
+                          <a:srgbClr val="414042"/>
+                        </a:solidFill>
+                        <a:effectLst/>
+                        <a:latin typeface="Arial" panose="020B0604020202020204" pitchFamily="34" charset="0"/>
+                      </a:endParaRPr>
+                    </a:p>
+                  </a:txBody>
+                  <a:tcPr marL="9525" marR="9525" marT="9525" marB="0" anchor="ctr"/>
+                </a:tc>
+                <a:tc>
+                  <a:txBody>
+                    <a:bodyPr/>
+                    <a:lstStyle/>
+                    <a:p>
+                      <a:pPr algn="r" fontAlgn="ctr"/>
+                      <a:r>
+                        <a:rPr lang="en-CA" sz="1200" u="none" strike="noStrike">
+                          <a:effectLst/>
+                        </a:rPr>
+                        <a:t>7</a:t>
+                      </a:r>
+                      <a:endParaRPr lang="en-CA" sz="1200" b="0" i="0" u="none" strike="noStrike">
+                        <a:solidFill>
+                          <a:srgbClr val="414042"/>
+                        </a:solidFill>
+                        <a:effectLst/>
+                        <a:latin typeface="Arial" panose="020B0604020202020204" pitchFamily="34" charset="0"/>
+                      </a:endParaRPr>
+                    </a:p>
+                  </a:txBody>
+                  <a:tcPr marL="9525" marR="9525" marT="9525" marB="0" anchor="ctr"/>
+                </a:tc>
+                <a:tc>
+                  <a:txBody>
+                    <a:bodyPr/>
+                    <a:lstStyle/>
+                    <a:p>
+                      <a:pPr algn="r" fontAlgn="ctr"/>
+                      <a:r>
+                        <a:rPr lang="en-CA" sz="1200" u="none" strike="noStrike">
+                          <a:effectLst/>
+                        </a:rPr>
+                        <a:t>0</a:t>
+                      </a:r>
+                      <a:endParaRPr lang="en-CA" sz="1200" b="0" i="0" u="none" strike="noStrike">
+                        <a:solidFill>
+                          <a:srgbClr val="414042"/>
+                        </a:solidFill>
+                        <a:effectLst/>
+                        <a:latin typeface="Arial" panose="020B0604020202020204" pitchFamily="34" charset="0"/>
+                      </a:endParaRPr>
+                    </a:p>
+                  </a:txBody>
+                  <a:tcPr marL="9525" marR="9525" marT="9525" marB="0" anchor="ctr"/>
+                </a:tc>
+                <a:tc>
+                  <a:txBody>
+                    <a:bodyPr/>
+                    <a:lstStyle/>
+                    <a:p>
+                      <a:pPr algn="r" fontAlgn="ctr"/>
+                      <a:r>
+                        <a:rPr lang="en-CA" sz="1200" u="none" strike="noStrike">
+                          <a:effectLst/>
+                        </a:rPr>
+                        <a:t>16</a:t>
+                      </a:r>
+                      <a:endParaRPr lang="en-CA" sz="1200" b="0" i="0" u="none" strike="noStrike">
+                        <a:solidFill>
+                          <a:srgbClr val="414042"/>
+                        </a:solidFill>
+                        <a:effectLst/>
+                        <a:latin typeface="Arial" panose="020B0604020202020204" pitchFamily="34" charset="0"/>
+                      </a:endParaRPr>
+                    </a:p>
+                  </a:txBody>
+                  <a:tcPr marL="9525" marR="9525" marT="9525" marB="0" anchor="ctr"/>
+                </a:tc>
+                <a:extLst>
+                  <a:ext uri="{0D108BD9-81ED-4DB2-BD59-A6C34878D82A}">
+                    <a16:rowId xmlns:a16="http://schemas.microsoft.com/office/drawing/2014/main" val="83234120"/>
+                  </a:ext>
+                </a:extLst>
+              </a:tr>
+              <a:tr h="190500">
+                <a:tc>
+                  <a:txBody>
+                    <a:bodyPr/>
+                    <a:lstStyle/>
+                    <a:p>
+                      <a:pPr algn="l" fontAlgn="ctr"/>
+                      <a:r>
+                        <a:rPr lang="en-CA" sz="1200" u="none" strike="noStrike">
+                          <a:effectLst/>
+                        </a:rPr>
+                        <a:t>Drug Effect Decreased</a:t>
+                      </a:r>
+                      <a:endParaRPr lang="en-CA" sz="1200" b="0" i="0" u="none" strike="noStrike">
+                        <a:solidFill>
+                          <a:srgbClr val="414042"/>
+                        </a:solidFill>
+                        <a:effectLst/>
+                        <a:latin typeface="Arial" panose="020B0604020202020204" pitchFamily="34" charset="0"/>
+                      </a:endParaRPr>
+                    </a:p>
+                  </a:txBody>
+                  <a:tcPr marL="9525" marR="9525" marT="9525" marB="0" anchor="ctr"/>
+                </a:tc>
+                <a:tc>
+                  <a:txBody>
+                    <a:bodyPr/>
+                    <a:lstStyle/>
+                    <a:p>
+                      <a:pPr algn="r" fontAlgn="ctr"/>
+                      <a:r>
+                        <a:rPr lang="en-CA" sz="1200" u="none" strike="noStrike">
+                          <a:effectLst/>
+                        </a:rPr>
+                        <a:t>66</a:t>
+                      </a:r>
+                      <a:endParaRPr lang="en-CA" sz="1200" b="0" i="0" u="none" strike="noStrike">
+                        <a:solidFill>
+                          <a:srgbClr val="414042"/>
+                        </a:solidFill>
+                        <a:effectLst/>
+                        <a:latin typeface="Arial" panose="020B0604020202020204" pitchFamily="34" charset="0"/>
+                      </a:endParaRPr>
+                    </a:p>
+                  </a:txBody>
+                  <a:tcPr marL="9525" marR="9525" marT="9525" marB="0" anchor="ctr"/>
+                </a:tc>
+                <a:tc>
+                  <a:txBody>
+                    <a:bodyPr/>
+                    <a:lstStyle/>
+                    <a:p>
+                      <a:pPr algn="r" fontAlgn="ctr"/>
+                      <a:r>
+                        <a:rPr lang="en-CA" sz="1200" u="none" strike="noStrike">
+                          <a:effectLst/>
+                        </a:rPr>
+                        <a:t>0</a:t>
+                      </a:r>
+                      <a:endParaRPr lang="en-CA" sz="1200" b="0" i="0" u="none" strike="noStrike">
+                        <a:solidFill>
+                          <a:srgbClr val="414042"/>
+                        </a:solidFill>
+                        <a:effectLst/>
+                        <a:latin typeface="Arial" panose="020B0604020202020204" pitchFamily="34" charset="0"/>
+                      </a:endParaRPr>
+                    </a:p>
+                  </a:txBody>
+                  <a:tcPr marL="9525" marR="9525" marT="9525" marB="0" anchor="ctr"/>
+                </a:tc>
+                <a:tc>
+                  <a:txBody>
+                    <a:bodyPr/>
+                    <a:lstStyle/>
+                    <a:p>
+                      <a:pPr algn="r" fontAlgn="ctr"/>
+                      <a:r>
+                        <a:rPr lang="en-CA" sz="1200" u="none" strike="noStrike">
+                          <a:effectLst/>
+                        </a:rPr>
+                        <a:t>3</a:t>
+                      </a:r>
+                      <a:endParaRPr lang="en-CA" sz="1200" b="0" i="0" u="none" strike="noStrike">
+                        <a:solidFill>
+                          <a:srgbClr val="414042"/>
+                        </a:solidFill>
+                        <a:effectLst/>
+                        <a:latin typeface="Arial" panose="020B0604020202020204" pitchFamily="34" charset="0"/>
+                      </a:endParaRPr>
+                    </a:p>
+                  </a:txBody>
+                  <a:tcPr marL="9525" marR="9525" marT="9525" marB="0" anchor="ctr"/>
+                </a:tc>
+                <a:extLst>
+                  <a:ext uri="{0D108BD9-81ED-4DB2-BD59-A6C34878D82A}">
+                    <a16:rowId xmlns:a16="http://schemas.microsoft.com/office/drawing/2014/main" val="4052688645"/>
+                  </a:ext>
+                </a:extLst>
+              </a:tr>
+              <a:tr h="381000">
+                <a:tc>
+                  <a:txBody>
+                    <a:bodyPr/>
+                    <a:lstStyle/>
+                    <a:p>
+                      <a:pPr algn="l" fontAlgn="ctr"/>
+                      <a:r>
+                        <a:rPr lang="en-CA" sz="1200" u="none" strike="noStrike">
+                          <a:effectLst/>
+                        </a:rPr>
+                        <a:t>Allergies Worse After Taking Drug</a:t>
+                      </a:r>
+                      <a:endParaRPr lang="en-CA" sz="1200" b="0" i="0" u="none" strike="noStrike">
+                        <a:solidFill>
+                          <a:srgbClr val="414042"/>
+                        </a:solidFill>
+                        <a:effectLst/>
+                        <a:latin typeface="Arial" panose="020B0604020202020204" pitchFamily="34" charset="0"/>
+                      </a:endParaRPr>
+                    </a:p>
+                  </a:txBody>
+                  <a:tcPr marL="9525" marR="9525" marT="9525" marB="0" anchor="ctr"/>
+                </a:tc>
+                <a:tc>
+                  <a:txBody>
+                    <a:bodyPr/>
+                    <a:lstStyle/>
+                    <a:p>
+                      <a:pPr algn="r" fontAlgn="ctr"/>
+                      <a:r>
+                        <a:rPr lang="en-CA" sz="1200" u="none" strike="noStrike">
+                          <a:effectLst/>
+                        </a:rPr>
+                        <a:t>132</a:t>
+                      </a:r>
+                      <a:endParaRPr lang="en-CA" sz="1200" b="0" i="0" u="none" strike="noStrike">
+                        <a:solidFill>
+                          <a:srgbClr val="414042"/>
+                        </a:solidFill>
+                        <a:effectLst/>
+                        <a:latin typeface="Arial" panose="020B0604020202020204" pitchFamily="34" charset="0"/>
+                      </a:endParaRPr>
+                    </a:p>
+                  </a:txBody>
+                  <a:tcPr marL="9525" marR="9525" marT="9525" marB="0" anchor="ctr"/>
+                </a:tc>
+                <a:tc>
+                  <a:txBody>
+                    <a:bodyPr/>
+                    <a:lstStyle/>
+                    <a:p>
+                      <a:pPr algn="r" fontAlgn="ctr"/>
+                      <a:r>
+                        <a:rPr lang="en-CA" sz="1200" u="none" strike="noStrike">
+                          <a:effectLst/>
+                        </a:rPr>
+                        <a:t>0</a:t>
+                      </a:r>
+                      <a:endParaRPr lang="en-CA" sz="1200" b="0" i="0" u="none" strike="noStrike">
+                        <a:solidFill>
+                          <a:srgbClr val="414042"/>
+                        </a:solidFill>
+                        <a:effectLst/>
+                        <a:latin typeface="Arial" panose="020B0604020202020204" pitchFamily="34" charset="0"/>
+                      </a:endParaRPr>
+                    </a:p>
+                  </a:txBody>
+                  <a:tcPr marL="9525" marR="9525" marT="9525" marB="0" anchor="ctr"/>
+                </a:tc>
+                <a:tc>
+                  <a:txBody>
+                    <a:bodyPr/>
+                    <a:lstStyle/>
+                    <a:p>
+                      <a:pPr algn="r" fontAlgn="ctr"/>
+                      <a:r>
+                        <a:rPr lang="en-CA" sz="1200" u="none" strike="noStrike">
+                          <a:effectLst/>
+                        </a:rPr>
+                        <a:t>8</a:t>
+                      </a:r>
+                      <a:endParaRPr lang="en-CA" sz="1200" b="0" i="0" u="none" strike="noStrike">
+                        <a:solidFill>
+                          <a:srgbClr val="414042"/>
+                        </a:solidFill>
+                        <a:effectLst/>
+                        <a:latin typeface="Arial" panose="020B0604020202020204" pitchFamily="34" charset="0"/>
+                      </a:endParaRPr>
+                    </a:p>
+                  </a:txBody>
+                  <a:tcPr marL="9525" marR="9525" marT="9525" marB="0" anchor="ctr"/>
+                </a:tc>
+                <a:extLst>
+                  <a:ext uri="{0D108BD9-81ED-4DB2-BD59-A6C34878D82A}">
+                    <a16:rowId xmlns:a16="http://schemas.microsoft.com/office/drawing/2014/main" val="475077532"/>
+                  </a:ext>
+                </a:extLst>
+              </a:tr>
+              <a:tr h="381000">
+                <a:tc>
+                  <a:txBody>
+                    <a:bodyPr/>
+                    <a:lstStyle/>
+                    <a:p>
+                      <a:pPr algn="l" fontAlgn="ctr"/>
+                      <a:r>
+                        <a:rPr lang="en-CA" sz="1200" u="none" strike="noStrike">
+                          <a:effectLst/>
+                        </a:rPr>
+                        <a:t>Bad Interaction Between Claritin And Another Drug</a:t>
+                      </a:r>
+                      <a:endParaRPr lang="en-CA" sz="1200" b="0" i="0" u="none" strike="noStrike">
+                        <a:solidFill>
+                          <a:srgbClr val="414042"/>
+                        </a:solidFill>
+                        <a:effectLst/>
+                        <a:latin typeface="Arial" panose="020B0604020202020204" pitchFamily="34" charset="0"/>
+                      </a:endParaRPr>
+                    </a:p>
+                  </a:txBody>
+                  <a:tcPr marL="9525" marR="9525" marT="9525" marB="0" anchor="ctr"/>
+                </a:tc>
+                <a:tc>
+                  <a:txBody>
+                    <a:bodyPr/>
+                    <a:lstStyle/>
+                    <a:p>
+                      <a:pPr algn="r" fontAlgn="ctr"/>
+                      <a:r>
+                        <a:rPr lang="en-CA" sz="1200" u="none" strike="noStrike">
+                          <a:effectLst/>
+                        </a:rPr>
+                        <a:t>40</a:t>
+                      </a:r>
+                      <a:endParaRPr lang="en-CA" sz="1200" b="0" i="0" u="none" strike="noStrike">
+                        <a:solidFill>
+                          <a:srgbClr val="414042"/>
+                        </a:solidFill>
+                        <a:effectLst/>
+                        <a:latin typeface="Arial" panose="020B0604020202020204" pitchFamily="34" charset="0"/>
+                      </a:endParaRPr>
+                    </a:p>
+                  </a:txBody>
+                  <a:tcPr marL="9525" marR="9525" marT="9525" marB="0" anchor="ctr"/>
+                </a:tc>
+                <a:tc>
+                  <a:txBody>
+                    <a:bodyPr/>
+                    <a:lstStyle/>
+                    <a:p>
+                      <a:pPr algn="r" fontAlgn="ctr"/>
+                      <a:r>
+                        <a:rPr lang="en-CA" sz="1200" u="none" strike="noStrike">
+                          <a:effectLst/>
+                        </a:rPr>
+                        <a:t>0</a:t>
+                      </a:r>
+                      <a:endParaRPr lang="en-CA" sz="1200" b="0" i="0" u="none" strike="noStrike">
+                        <a:solidFill>
+                          <a:srgbClr val="414042"/>
+                        </a:solidFill>
+                        <a:effectLst/>
+                        <a:latin typeface="Arial" panose="020B0604020202020204" pitchFamily="34" charset="0"/>
+                      </a:endParaRPr>
+                    </a:p>
+                  </a:txBody>
+                  <a:tcPr marL="9525" marR="9525" marT="9525" marB="0" anchor="ctr"/>
+                </a:tc>
+                <a:tc>
+                  <a:txBody>
+                    <a:bodyPr/>
+                    <a:lstStyle/>
+                    <a:p>
+                      <a:pPr algn="r" fontAlgn="ctr"/>
+                      <a:r>
+                        <a:rPr lang="en-CA" sz="1200" u="none" strike="noStrike">
+                          <a:effectLst/>
+                        </a:rPr>
+                        <a:t>5</a:t>
+                      </a:r>
+                      <a:endParaRPr lang="en-CA" sz="1200" b="0" i="0" u="none" strike="noStrike">
+                        <a:solidFill>
+                          <a:srgbClr val="414042"/>
+                        </a:solidFill>
+                        <a:effectLst/>
+                        <a:latin typeface="Arial" panose="020B0604020202020204" pitchFamily="34" charset="0"/>
+                      </a:endParaRPr>
+                    </a:p>
+                  </a:txBody>
+                  <a:tcPr marL="9525" marR="9525" marT="9525" marB="0" anchor="ctr"/>
+                </a:tc>
+                <a:extLst>
+                  <a:ext uri="{0D108BD9-81ED-4DB2-BD59-A6C34878D82A}">
+                    <a16:rowId xmlns:a16="http://schemas.microsoft.com/office/drawing/2014/main" val="882462420"/>
+                  </a:ext>
+                </a:extLst>
+              </a:tr>
+              <a:tr h="190500">
+                <a:tc>
+                  <a:txBody>
+                    <a:bodyPr/>
+                    <a:lstStyle/>
+                    <a:p>
+                      <a:pPr algn="l" fontAlgn="ctr"/>
+                      <a:r>
+                        <a:rPr lang="en-CA" sz="1200" u="none" strike="noStrike">
+                          <a:effectLst/>
+                        </a:rPr>
+                        <a:t>Nausea</a:t>
+                      </a:r>
+                      <a:endParaRPr lang="en-CA" sz="1200" b="0" i="0" u="none" strike="noStrike">
+                        <a:solidFill>
+                          <a:srgbClr val="414042"/>
+                        </a:solidFill>
+                        <a:effectLst/>
+                        <a:latin typeface="Arial" panose="020B0604020202020204" pitchFamily="34" charset="0"/>
+                      </a:endParaRPr>
+                    </a:p>
+                  </a:txBody>
+                  <a:tcPr marL="9525" marR="9525" marT="9525" marB="0" anchor="ctr"/>
+                </a:tc>
+                <a:tc>
+                  <a:txBody>
+                    <a:bodyPr/>
+                    <a:lstStyle/>
+                    <a:p>
+                      <a:pPr algn="r" fontAlgn="ctr"/>
+                      <a:r>
+                        <a:rPr lang="en-CA" sz="1200" u="none" strike="noStrike">
+                          <a:effectLst/>
+                        </a:rPr>
+                        <a:t>4</a:t>
+                      </a:r>
+                      <a:endParaRPr lang="en-CA" sz="1200" b="0" i="0" u="none" strike="noStrike">
+                        <a:solidFill>
+                          <a:srgbClr val="414042"/>
+                        </a:solidFill>
+                        <a:effectLst/>
+                        <a:latin typeface="Arial" panose="020B0604020202020204" pitchFamily="34" charset="0"/>
+                      </a:endParaRPr>
+                    </a:p>
+                  </a:txBody>
+                  <a:tcPr marL="9525" marR="9525" marT="9525" marB="0" anchor="ctr"/>
+                </a:tc>
+                <a:tc>
+                  <a:txBody>
+                    <a:bodyPr/>
+                    <a:lstStyle/>
+                    <a:p>
+                      <a:pPr algn="r" fontAlgn="ctr"/>
+                      <a:r>
+                        <a:rPr lang="en-CA" sz="1200" u="none" strike="noStrike">
+                          <a:effectLst/>
+                        </a:rPr>
+                        <a:t>0</a:t>
+                      </a:r>
+                      <a:endParaRPr lang="en-CA" sz="1200" b="0" i="0" u="none" strike="noStrike">
+                        <a:solidFill>
+                          <a:srgbClr val="414042"/>
+                        </a:solidFill>
+                        <a:effectLst/>
+                        <a:latin typeface="Arial" panose="020B0604020202020204" pitchFamily="34" charset="0"/>
+                      </a:endParaRPr>
+                    </a:p>
+                  </a:txBody>
+                  <a:tcPr marL="9525" marR="9525" marT="9525" marB="0" anchor="ctr"/>
+                </a:tc>
+                <a:tc>
+                  <a:txBody>
+                    <a:bodyPr/>
+                    <a:lstStyle/>
+                    <a:p>
+                      <a:pPr algn="r" fontAlgn="ctr"/>
+                      <a:r>
+                        <a:rPr lang="en-CA" sz="1200" u="none" strike="noStrike">
+                          <a:effectLst/>
+                        </a:rPr>
+                        <a:t>19</a:t>
+                      </a:r>
+                      <a:endParaRPr lang="en-CA" sz="1200" b="0" i="0" u="none" strike="noStrike">
+                        <a:solidFill>
+                          <a:srgbClr val="414042"/>
+                        </a:solidFill>
+                        <a:effectLst/>
+                        <a:latin typeface="Arial" panose="020B0604020202020204" pitchFamily="34" charset="0"/>
+                      </a:endParaRPr>
+                    </a:p>
+                  </a:txBody>
+                  <a:tcPr marL="9525" marR="9525" marT="9525" marB="0" anchor="ctr"/>
+                </a:tc>
+                <a:extLst>
+                  <a:ext uri="{0D108BD9-81ED-4DB2-BD59-A6C34878D82A}">
+                    <a16:rowId xmlns:a16="http://schemas.microsoft.com/office/drawing/2014/main" val="314807418"/>
+                  </a:ext>
+                </a:extLst>
+              </a:tr>
+              <a:tr h="190500">
+                <a:tc>
+                  <a:txBody>
+                    <a:bodyPr/>
+                    <a:lstStyle/>
+                    <a:p>
+                      <a:pPr algn="l" fontAlgn="ctr"/>
+                      <a:r>
+                        <a:rPr lang="en-CA" sz="1200" u="none" strike="noStrike">
+                          <a:effectLst/>
+                        </a:rPr>
+                        <a:t>Insomnia</a:t>
+                      </a:r>
+                      <a:endParaRPr lang="en-CA" sz="1200" b="0" i="0" u="none" strike="noStrike">
+                        <a:solidFill>
+                          <a:srgbClr val="414042"/>
+                        </a:solidFill>
+                        <a:effectLst/>
+                        <a:latin typeface="Arial" panose="020B0604020202020204" pitchFamily="34" charset="0"/>
+                      </a:endParaRPr>
+                    </a:p>
+                  </a:txBody>
+                  <a:tcPr marL="9525" marR="9525" marT="9525" marB="0" anchor="ctr"/>
+                </a:tc>
+                <a:tc>
+                  <a:txBody>
+                    <a:bodyPr/>
+                    <a:lstStyle/>
+                    <a:p>
+                      <a:pPr algn="r" fontAlgn="ctr"/>
+                      <a:r>
+                        <a:rPr lang="en-CA" sz="1200" u="none" strike="noStrike">
+                          <a:effectLst/>
+                        </a:rPr>
+                        <a:t>26</a:t>
+                      </a:r>
+                      <a:endParaRPr lang="en-CA" sz="1200" b="0" i="0" u="none" strike="noStrike">
+                        <a:solidFill>
+                          <a:srgbClr val="414042"/>
+                        </a:solidFill>
+                        <a:effectLst/>
+                        <a:latin typeface="Arial" panose="020B0604020202020204" pitchFamily="34" charset="0"/>
+                      </a:endParaRPr>
+                    </a:p>
+                  </a:txBody>
+                  <a:tcPr marL="9525" marR="9525" marT="9525" marB="0" anchor="ctr"/>
+                </a:tc>
+                <a:tc>
+                  <a:txBody>
+                    <a:bodyPr/>
+                    <a:lstStyle/>
+                    <a:p>
+                      <a:pPr algn="r" fontAlgn="ctr"/>
+                      <a:r>
+                        <a:rPr lang="en-CA" sz="1200" u="none" strike="noStrike">
+                          <a:effectLst/>
+                        </a:rPr>
+                        <a:t>0</a:t>
+                      </a:r>
+                      <a:endParaRPr lang="en-CA" sz="1200" b="0" i="0" u="none" strike="noStrike">
+                        <a:solidFill>
+                          <a:srgbClr val="414042"/>
+                        </a:solidFill>
+                        <a:effectLst/>
+                        <a:latin typeface="Arial" panose="020B0604020202020204" pitchFamily="34" charset="0"/>
+                      </a:endParaRPr>
+                    </a:p>
+                  </a:txBody>
+                  <a:tcPr marL="9525" marR="9525" marT="9525" marB="0" anchor="ctr"/>
+                </a:tc>
+                <a:tc>
+                  <a:txBody>
+                    <a:bodyPr/>
+                    <a:lstStyle/>
+                    <a:p>
+                      <a:pPr algn="r" fontAlgn="ctr"/>
+                      <a:r>
+                        <a:rPr lang="en-CA" sz="1200" u="none" strike="noStrike">
+                          <a:effectLst/>
+                        </a:rPr>
+                        <a:t>9</a:t>
+                      </a:r>
+                      <a:endParaRPr lang="en-CA" sz="1200" b="0" i="0" u="none" strike="noStrike">
+                        <a:solidFill>
+                          <a:srgbClr val="414042"/>
+                        </a:solidFill>
+                        <a:effectLst/>
+                        <a:latin typeface="Arial" panose="020B0604020202020204" pitchFamily="34" charset="0"/>
+                      </a:endParaRPr>
+                    </a:p>
+                  </a:txBody>
+                  <a:tcPr marL="9525" marR="9525" marT="9525" marB="0" anchor="ctr"/>
+                </a:tc>
+                <a:extLst>
+                  <a:ext uri="{0D108BD9-81ED-4DB2-BD59-A6C34878D82A}">
+                    <a16:rowId xmlns:a16="http://schemas.microsoft.com/office/drawing/2014/main" val="1111075874"/>
+                  </a:ext>
+                </a:extLst>
+              </a:tr>
+              <a:tr h="190500">
+                <a:tc>
+                  <a:txBody>
+                    <a:bodyPr/>
+                    <a:lstStyle/>
+                    <a:p>
+                      <a:pPr algn="l" fontAlgn="ctr"/>
+                      <a:r>
+                        <a:rPr lang="en-CA" sz="1200" u="none" strike="noStrike">
+                          <a:effectLst/>
+                        </a:rPr>
+                        <a:t>Other</a:t>
+                      </a:r>
+                      <a:endParaRPr lang="en-CA" sz="1200" b="0" i="0" u="none" strike="noStrike">
+                        <a:solidFill>
+                          <a:srgbClr val="414042"/>
+                        </a:solidFill>
+                        <a:effectLst/>
+                        <a:latin typeface="Arial" panose="020B0604020202020204" pitchFamily="34" charset="0"/>
+                      </a:endParaRPr>
+                    </a:p>
+                  </a:txBody>
+                  <a:tcPr marL="9525" marR="9525" marT="9525" marB="0" anchor="ctr"/>
+                </a:tc>
+                <a:tc>
+                  <a:txBody>
+                    <a:bodyPr/>
+                    <a:lstStyle/>
+                    <a:p>
+                      <a:pPr algn="r" fontAlgn="ctr"/>
+                      <a:r>
+                        <a:rPr lang="en-CA" sz="1200" u="none" strike="noStrike">
+                          <a:effectLst/>
+                        </a:rPr>
+                        <a:t>0</a:t>
+                      </a:r>
+                      <a:endParaRPr lang="en-CA" sz="1200" b="0" i="0" u="none" strike="noStrike">
+                        <a:solidFill>
+                          <a:srgbClr val="414042"/>
+                        </a:solidFill>
+                        <a:effectLst/>
+                        <a:latin typeface="Arial" panose="020B0604020202020204" pitchFamily="34" charset="0"/>
+                      </a:endParaRPr>
+                    </a:p>
+                  </a:txBody>
+                  <a:tcPr marL="9525" marR="9525" marT="9525" marB="0" anchor="ctr"/>
+                </a:tc>
+                <a:tc>
+                  <a:txBody>
+                    <a:bodyPr/>
+                    <a:lstStyle/>
+                    <a:p>
+                      <a:pPr algn="r" fontAlgn="ctr"/>
+                      <a:r>
+                        <a:rPr lang="en-CA" sz="1200" u="none" strike="noStrike">
+                          <a:effectLst/>
+                        </a:rPr>
+                        <a:t>7</a:t>
+                      </a:r>
+                      <a:endParaRPr lang="en-CA" sz="1200" b="0" i="0" u="none" strike="noStrike">
+                        <a:solidFill>
+                          <a:srgbClr val="414042"/>
+                        </a:solidFill>
+                        <a:effectLst/>
+                        <a:latin typeface="Arial" panose="020B0604020202020204" pitchFamily="34" charset="0"/>
+                      </a:endParaRPr>
+                    </a:p>
+                  </a:txBody>
+                  <a:tcPr marL="9525" marR="9525" marT="9525" marB="0" anchor="ctr"/>
+                </a:tc>
+                <a:tc>
+                  <a:txBody>
+                    <a:bodyPr/>
+                    <a:lstStyle/>
+                    <a:p>
+                      <a:pPr algn="r" fontAlgn="ctr"/>
+                      <a:r>
+                        <a:rPr lang="en-CA" sz="1200" u="none" strike="noStrike">
+                          <a:effectLst/>
+                        </a:rPr>
+                        <a:t>157</a:t>
+                      </a:r>
+                      <a:endParaRPr lang="en-CA" sz="1200" b="0" i="0" u="none" strike="noStrike">
+                        <a:solidFill>
+                          <a:srgbClr val="414042"/>
+                        </a:solidFill>
+                        <a:effectLst/>
+                        <a:latin typeface="Arial" panose="020B0604020202020204" pitchFamily="34" charset="0"/>
+                      </a:endParaRPr>
+                    </a:p>
+                  </a:txBody>
+                  <a:tcPr marL="9525" marR="9525" marT="9525" marB="0" anchor="ctr"/>
+                </a:tc>
+                <a:extLst>
+                  <a:ext uri="{0D108BD9-81ED-4DB2-BD59-A6C34878D82A}">
+                    <a16:rowId xmlns:a16="http://schemas.microsoft.com/office/drawing/2014/main" val="558690969"/>
+                  </a:ext>
+                </a:extLst>
+              </a:tr>
+              <a:tr h="200025">
+                <a:tc>
+                  <a:txBody>
+                    <a:bodyPr/>
+                    <a:lstStyle/>
+                    <a:p>
+                      <a:pPr algn="l" fontAlgn="ctr"/>
+                      <a:r>
+                        <a:rPr lang="en-CA" sz="1200" u="none" strike="noStrike">
+                          <a:effectLst/>
+                        </a:rPr>
+                        <a:t>Total</a:t>
+                      </a:r>
+                      <a:endParaRPr lang="en-CA" sz="1200" b="1" i="0" u="none" strike="noStrike">
+                        <a:solidFill>
+                          <a:srgbClr val="414042"/>
+                        </a:solidFill>
+                        <a:effectLst/>
+                        <a:latin typeface="Arial" panose="020B0604020202020204" pitchFamily="34" charset="0"/>
+                      </a:endParaRPr>
+                    </a:p>
+                  </a:txBody>
+                  <a:tcPr marL="9525" marR="9525" marT="9525" marB="0" anchor="ctr"/>
+                </a:tc>
+                <a:tc>
+                  <a:txBody>
+                    <a:bodyPr/>
+                    <a:lstStyle/>
+                    <a:p>
+                      <a:pPr algn="r" fontAlgn="ctr"/>
+                      <a:r>
+                        <a:rPr lang="en-CA" sz="1200" u="none" strike="noStrike">
+                          <a:effectLst/>
+                        </a:rPr>
+                        <a:t>295</a:t>
+                      </a:r>
+                      <a:endParaRPr lang="en-CA" sz="1200" b="1" i="0" u="none" strike="noStrike">
+                        <a:solidFill>
+                          <a:srgbClr val="414042"/>
+                        </a:solidFill>
+                        <a:effectLst/>
+                        <a:latin typeface="Arial" panose="020B0604020202020204" pitchFamily="34" charset="0"/>
+                      </a:endParaRPr>
+                    </a:p>
+                  </a:txBody>
+                  <a:tcPr marL="9525" marR="9525" marT="9525" marB="0" anchor="ctr"/>
+                </a:tc>
+                <a:tc>
+                  <a:txBody>
+                    <a:bodyPr/>
+                    <a:lstStyle/>
+                    <a:p>
+                      <a:pPr algn="r" fontAlgn="ctr"/>
+                      <a:r>
+                        <a:rPr lang="en-CA" sz="1200" u="none" strike="noStrike">
+                          <a:effectLst/>
+                        </a:rPr>
+                        <a:t>8</a:t>
+                      </a:r>
+                      <a:endParaRPr lang="en-CA" sz="1200" b="1" i="0" u="none" strike="noStrike">
+                        <a:solidFill>
+                          <a:srgbClr val="414042"/>
+                        </a:solidFill>
+                        <a:effectLst/>
+                        <a:latin typeface="Arial" panose="020B0604020202020204" pitchFamily="34" charset="0"/>
+                      </a:endParaRPr>
+                    </a:p>
+                  </a:txBody>
+                  <a:tcPr marL="9525" marR="9525" marT="9525" marB="0" anchor="ctr"/>
+                </a:tc>
+                <a:tc>
+                  <a:txBody>
+                    <a:bodyPr/>
+                    <a:lstStyle/>
+                    <a:p>
+                      <a:pPr algn="r" fontAlgn="ctr"/>
+                      <a:r>
+                        <a:rPr lang="en-CA" sz="1200" u="none" strike="noStrike" dirty="0">
+                          <a:effectLst/>
+                        </a:rPr>
+                        <a:t>265</a:t>
+                      </a:r>
+                      <a:endParaRPr lang="en-CA" sz="1200" b="1" i="0" u="none" strike="noStrike" dirty="0">
+                        <a:solidFill>
+                          <a:srgbClr val="414042"/>
+                        </a:solidFill>
+                        <a:effectLst/>
+                        <a:latin typeface="Arial" panose="020B0604020202020204" pitchFamily="34" charset="0"/>
+                      </a:endParaRPr>
+                    </a:p>
+                  </a:txBody>
+                  <a:tcPr marL="9525" marR="9525" marT="9525" marB="0" anchor="ctr"/>
+                </a:tc>
+                <a:extLst>
+                  <a:ext uri="{0D108BD9-81ED-4DB2-BD59-A6C34878D82A}">
+                    <a16:rowId xmlns:a16="http://schemas.microsoft.com/office/drawing/2014/main" val="3530526941"/>
+                  </a:ext>
+                </a:extLst>
+              </a:tr>
+            </a:tbl>
+          </a:graphicData>
+        </a:graphic>
+      </p:graphicFrame>
     </p:spTree>
     <p:extLst>
       <p:ext uri="{BB962C8B-B14F-4D97-AF65-F5344CB8AC3E}">
@@ -11094,6 +12726,65 @@
           <a:chExt cx="0" cy="0"/>
         </a:xfrm>
       </p:grpSpPr>
+      <p:pic>
+        <p:nvPicPr>
+          <p:cNvPr id="5" name="Content Placeholder 4" descr="A screen shot of a smart phone&#10;&#10;Description automatically generated">
+            <a:extLst>
+              <a:ext uri="{FF2B5EF4-FFF2-40B4-BE49-F238E27FC236}">
+                <a16:creationId xmlns:a16="http://schemas.microsoft.com/office/drawing/2014/main" id="{842F5977-B6C2-48F4-9D9F-CDEEF60CF987}"/>
+              </a:ext>
+            </a:extLst>
+          </p:cNvPr>
+          <p:cNvPicPr>
+            <a:picLocks noGrp="1" noChangeAspect="1"/>
+          </p:cNvPicPr>
+          <p:nvPr>
+            <p:ph idx="1"/>
+          </p:nvPr>
+        </p:nvPicPr>
+        <p:blipFill>
+          <a:blip r:embed="rId2"/>
+          <a:stretch>
+            <a:fillRect/>
+          </a:stretch>
+        </p:blipFill>
+        <p:spPr>
+          <a:xfrm>
+            <a:off x="1557283" y="966788"/>
+            <a:ext cx="6837472" cy="5075237"/>
+          </a:xfrm>
+        </p:spPr>
+      </p:pic>
+    </p:spTree>
+    <p:extLst>
+      <p:ext uri="{BB962C8B-B14F-4D97-AF65-F5344CB8AC3E}">
+        <p14:creationId xmlns:p14="http://schemas.microsoft.com/office/powerpoint/2010/main" val="2391246997"/>
+      </p:ext>
+    </p:extLst>
+  </p:cSld>
+  <p:clrMapOvr>
+    <a:masterClrMapping/>
+  </p:clrMapOvr>
+</p:sld>
+</file>
+
+<file path=ppt/slides/slide6.xml><?xml version="1.0" encoding="utf-8"?>
+<p:sld xmlns:a="http://schemas.openxmlformats.org/drawingml/2006/main" xmlns:r="http://schemas.openxmlformats.org/officeDocument/2006/relationships" xmlns:p="http://schemas.openxmlformats.org/presentationml/2006/main">
+  <p:cSld>
+    <p:spTree>
+      <p:nvGrpSpPr>
+        <p:cNvPr id="1" name=""/>
+        <p:cNvGrpSpPr/>
+        <p:nvPr/>
+      </p:nvGrpSpPr>
+      <p:grpSpPr>
+        <a:xfrm>
+          <a:off x="0" y="0"/>
+          <a:ext cx="0" cy="0"/>
+          <a:chOff x="0" y="0"/>
+          <a:chExt cx="0" cy="0"/>
+        </a:xfrm>
+      </p:grpSpPr>
       <p:sp>
         <p:nvSpPr>
           <p:cNvPr id="2" name="Title 1">
@@ -11171,7 +12862,7 @@
 </p:sld>
 </file>
 
-<file path=ppt/slides/slide6.xml><?xml version="1.0" encoding="utf-8"?>
+<file path=ppt/slides/slide7.xml><?xml version="1.0" encoding="utf-8"?>
 <p:sld xmlns:a="http://schemas.openxmlformats.org/drawingml/2006/main" xmlns:r="http://schemas.openxmlformats.org/officeDocument/2006/relationships" xmlns:p="http://schemas.openxmlformats.org/presentationml/2006/main">
   <p:cSld>
     <p:spTree>
@@ -11257,7 +12948,7 @@
               <a:rPr lang="en-CA" dirty="0">
                 <a:hlinkClick r:id="rId2"/>
               </a:rPr>
-              <a:t>www.figure-eight.com/discovering-drug-side-effect-with-crowdsourcing/</a:t>
+              <a:t>www.figure-eight.com/discovering-drug-side-effects-with-crowdsourcing/</a:t>
             </a:r>
             <a:endParaRPr lang="en-CA" dirty="0"/>
           </a:p>
@@ -11375,7 +13066,7 @@
 </p:sld>
 </file>
 
-<file path=ppt/slides/slide7.xml><?xml version="1.0" encoding="utf-8"?>
+<file path=ppt/slides/slide8.xml><?xml version="1.0" encoding="utf-8"?>
 <p:sld xmlns:a="http://schemas.openxmlformats.org/drawingml/2006/main" xmlns:r="http://schemas.openxmlformats.org/officeDocument/2006/relationships" xmlns:p="http://schemas.openxmlformats.org/presentationml/2006/main">
   <p:cSld>
     <p:spTree>
@@ -11479,7 +13170,7 @@
 </p:sld>
 </file>
 
-<file path=ppt/slides/slide8.xml><?xml version="1.0" encoding="utf-8"?>
+<file path=ppt/slides/slide9.xml><?xml version="1.0" encoding="utf-8"?>
 <p:sld xmlns:a="http://schemas.openxmlformats.org/drawingml/2006/main" xmlns:r="http://schemas.openxmlformats.org/officeDocument/2006/relationships" xmlns:p="http://schemas.openxmlformats.org/presentationml/2006/main">
   <p:cSld>
     <p:spTree>
@@ -11583,143 +13274,6 @@
     <p:extLst>
       <p:ext uri="{BB962C8B-B14F-4D97-AF65-F5344CB8AC3E}">
         <p14:creationId xmlns:p14="http://schemas.microsoft.com/office/powerpoint/2010/main" val="1894532834"/>
-      </p:ext>
-    </p:extLst>
-  </p:cSld>
-  <p:clrMapOvr>
-    <a:masterClrMapping/>
-  </p:clrMapOvr>
-</p:sld>
-</file>
-
-<file path=ppt/slides/slide9.xml><?xml version="1.0" encoding="utf-8"?>
-<p:sld xmlns:a="http://schemas.openxmlformats.org/drawingml/2006/main" xmlns:r="http://schemas.openxmlformats.org/officeDocument/2006/relationships" xmlns:p="http://schemas.openxmlformats.org/presentationml/2006/main">
-  <p:cSld>
-    <p:spTree>
-      <p:nvGrpSpPr>
-        <p:cNvPr id="1" name=""/>
-        <p:cNvGrpSpPr/>
-        <p:nvPr/>
-      </p:nvGrpSpPr>
-      <p:grpSpPr>
-        <a:xfrm>
-          <a:off x="0" y="0"/>
-          <a:ext cx="0" cy="0"/>
-          <a:chOff x="0" y="0"/>
-          <a:chExt cx="0" cy="0"/>
-        </a:xfrm>
-      </p:grpSpPr>
-      <p:sp>
-        <p:nvSpPr>
-          <p:cNvPr id="2" name="Title 1">
-            <a:extLst>
-              <a:ext uri="{FF2B5EF4-FFF2-40B4-BE49-F238E27FC236}">
-                <a16:creationId xmlns:a16="http://schemas.microsoft.com/office/drawing/2014/main" id="{1790141E-E083-45A7-AC2D-1646993051E0}"/>
-              </a:ext>
-            </a:extLst>
-          </p:cNvPr>
-          <p:cNvSpPr>
-            <a:spLocks noGrp="1"/>
-          </p:cNvSpPr>
-          <p:nvPr>
-            <p:ph type="title"/>
-          </p:nvPr>
-        </p:nvSpPr>
-        <p:spPr>
-          <a:xfrm>
-            <a:off x="677334" y="609600"/>
-            <a:ext cx="8596668" cy="762000"/>
-          </a:xfrm>
-        </p:spPr>
-        <p:txBody>
-          <a:bodyPr>
-            <a:normAutofit fontScale="90000"/>
-          </a:bodyPr>
-          <a:lstStyle/>
-          <a:p>
-            <a:r>
-              <a:rPr lang="en-CA" dirty="0"/>
-              <a:t>Step 2:Data preprocessing</a:t>
-            </a:r>
-            <a:br>
-              <a:rPr lang="en-CA" dirty="0"/>
-            </a:br>
-            <a:r>
-              <a:rPr lang="en-CA" dirty="0"/>
-              <a:t> </a:t>
-            </a:r>
-          </a:p>
-        </p:txBody>
-      </p:sp>
-      <p:sp>
-        <p:nvSpPr>
-          <p:cNvPr id="3" name="Content Placeholder 2">
-            <a:extLst>
-              <a:ext uri="{FF2B5EF4-FFF2-40B4-BE49-F238E27FC236}">
-                <a16:creationId xmlns:a16="http://schemas.microsoft.com/office/drawing/2014/main" id="{3F6FD26B-AD42-4CCB-9F31-760AB3EDF9CA}"/>
-              </a:ext>
-            </a:extLst>
-          </p:cNvPr>
-          <p:cNvSpPr>
-            <a:spLocks noGrp="1"/>
-          </p:cNvSpPr>
-          <p:nvPr>
-            <p:ph idx="1"/>
-          </p:nvPr>
-        </p:nvSpPr>
-        <p:spPr>
-          <a:xfrm>
-            <a:off x="677334" y="1371601"/>
-            <a:ext cx="8596668" cy="4669762"/>
-          </a:xfrm>
-        </p:spPr>
-        <p:txBody>
-          <a:bodyPr/>
-          <a:lstStyle/>
-          <a:p>
-            <a:r>
-              <a:rPr lang="en-CA" dirty="0"/>
-              <a:t>1. remove the emoji </a:t>
-            </a:r>
-          </a:p>
-          <a:p>
-            <a:r>
-              <a:rPr lang="en-CA" dirty="0"/>
-              <a:t>2. remove the </a:t>
-            </a:r>
-            <a:r>
-              <a:rPr lang="en-CA" dirty="0" err="1"/>
-              <a:t>stopwords</a:t>
-            </a:r>
-            <a:endParaRPr lang="en-CA" dirty="0"/>
-          </a:p>
-          <a:p>
-            <a:r>
-              <a:rPr lang="en-CA" dirty="0"/>
-              <a:t>3. replace consecutive non-ASCII characters with a space</a:t>
-            </a:r>
-          </a:p>
-          <a:p>
-            <a:r>
-              <a:rPr lang="en-CA" dirty="0"/>
-              <a:t>4. remove http</a:t>
-            </a:r>
-          </a:p>
-          <a:p>
-            <a:r>
-              <a:rPr lang="en-CA" dirty="0"/>
-              <a:t>5. tokenization</a:t>
-            </a:r>
-          </a:p>
-          <a:p>
-            <a:endParaRPr lang="en-CA" dirty="0"/>
-          </a:p>
-        </p:txBody>
-      </p:sp>
-    </p:spTree>
-    <p:extLst>
-      <p:ext uri="{BB962C8B-B14F-4D97-AF65-F5344CB8AC3E}">
-        <p14:creationId xmlns:p14="http://schemas.microsoft.com/office/powerpoint/2010/main" val="1385273707"/>
       </p:ext>
     </p:extLst>
   </p:cSld>
